--- a/presentation slide.pptx
+++ b/presentation slide.pptx
@@ -2975,7 +2975,7 @@
                 <a:latin typeface="华文宋体" panose="02010600040101010101" charset="-122"/>
                 <a:ea typeface="华文宋体" panose="02010600040101010101" charset="-122"/>
               </a:rPr>
-              <a:t>STA307 </a:t>
+              <a:t>STA321 </a:t>
             </a:r>
             <a:r>
               <a:rPr lang="zh-CN" altLang="en-US" sz="4000">
@@ -3877,7 +3877,7 @@
                       </a:r>
                       <a:r>
                         <a:rPr lang="en-US" altLang="zh-CN"/>
-                        <a:t>7 9 10 11 12 15</a:t>
+                        <a:t>7 9 10 11 12</a:t>
                       </a:r>
                       <a:r>
                         <a:rPr lang="zh-CN" altLang="en-US"/>
@@ -4169,6 +4169,39 @@
           </a:fontRef>
         </p:style>
       </p:cxnSp>
+      <p:sp>
+        <p:nvSpPr>
+          <p:cNvPr id="4" name="文本框 3"/>
+          <p:cNvSpPr txBox="1"/>
+          <p:nvPr/>
+        </p:nvSpPr>
+        <p:spPr>
+          <a:xfrm>
+            <a:off x="6129655" y="3202305"/>
+            <a:ext cx="1476375" cy="368300"/>
+          </a:xfrm>
+          <a:prstGeom prst="rect">
+            <a:avLst/>
+          </a:prstGeom>
+          <a:noFill/>
+        </p:spPr>
+        <p:txBody>
+          <a:bodyPr wrap="square" rtlCol="0" anchor="t">
+            <a:spAutoFit/>
+          </a:bodyPr>
+          <a:p>
+            <a:r>
+              <a:rPr lang="en-US" altLang="zh-CN">
+                <a:sym typeface="+mn-ea"/>
+              </a:rPr>
+              <a:t>ExecType == F</a:t>
+            </a:r>
+            <a:endParaRPr lang="en-US" altLang="zh-CN">
+              <a:sym typeface="+mn-ea"/>
+            </a:endParaRPr>
+          </a:p>
+        </p:txBody>
+      </p:sp>
     </p:spTree>
   </p:cSld>
   <p:clrMapOvr>
@@ -5504,7 +5537,7 @@
         </p:spPr>
         <p:txBody>
           <a:bodyPr>
-            <a:normAutofit/>
+            <a:normAutofit lnSpcReduction="10000"/>
           </a:bodyPr>
           <a:p>
             <a:pPr marL="0" indent="457200" fontAlgn="auto">
@@ -5580,30 +5613,18 @@
                 <a:ea typeface="华文宋体" panose="02010600040101010101" charset="-122"/>
                 <a:sym typeface="+mn-ea"/>
               </a:rPr>
-              <a:t>一个目录。</a:t>
-            </a:r>
-            <a:endParaRPr lang="zh-CN" altLang="en-US" sz="2400">
-              <a:latin typeface="华文宋体" panose="02010600040101010101" charset="-122"/>
-              <a:ea typeface="华文宋体" panose="02010600040101010101" charset="-122"/>
-              <a:sym typeface="+mn-ea"/>
-            </a:endParaRPr>
-          </a:p>
-          <a:p>
-            <a:pPr marL="0" indent="457200" fontAlgn="auto">
-              <a:lnSpc>
-                <a:spcPct val="100000"/>
-              </a:lnSpc>
-              <a:buNone/>
-            </a:pPr>
-            <a:r>
-              <a:rPr lang="zh-CN" altLang="en-US" sz="2400">
+              <a:t>一个目录。详见</a:t>
+            </a:r>
+            <a:r>
+              <a:rPr sz="2400">
                 <a:latin typeface="华文宋体" panose="02010600040101010101" charset="-122"/>
                 <a:ea typeface="华文宋体" panose="02010600040101010101" charset="-122"/>
                 <a:sym typeface="+mn-ea"/>
+                <a:hlinkClick r:id="rId1" tooltip=""/>
               </a:rPr>
-              <a:t>详见http://localhost:63342/project/webapp/index.html</a:t>
-            </a:r>
-            <a:endParaRPr lang="zh-CN" altLang="en-US" sz="2400">
+              <a:t>http://localhost:63342/project/src/main/java/webApp/index.html?_ijt=jheajtiojeqs9e6f6qb5tv17at&amp;_ij_reload=RELOAD_ON_SAVE</a:t>
+            </a:r>
+            <a:endParaRPr sz="2400">
               <a:latin typeface="华文宋体" panose="02010600040101010101" charset="-122"/>
               <a:ea typeface="华文宋体" panose="02010600040101010101" charset="-122"/>
               <a:sym typeface="+mn-ea"/>
@@ -5631,7 +5652,7 @@
             <p:cNvSpPr/>
             <p:nvPr>
               <p:custDataLst>
-                <p:tags r:id="rId1"/>
+                <p:tags r:id="rId2"/>
               </p:custDataLst>
             </p:nvPr>
           </p:nvSpPr>
@@ -5694,7 +5715,7 @@
             <p:cNvSpPr/>
             <p:nvPr>
               <p:custDataLst>
-                <p:tags r:id="rId2"/>
+                <p:tags r:id="rId3"/>
               </p:custDataLst>
             </p:nvPr>
           </p:nvSpPr>
@@ -5745,12 +5766,12 @@
             </p:cNvPicPr>
             <p:nvPr>
               <p:custDataLst>
-                <p:tags r:id="rId3"/>
+                <p:tags r:id="rId4"/>
               </p:custDataLst>
             </p:nvPr>
           </p:nvPicPr>
           <p:blipFill>
-            <a:blip r:embed="rId4"/>
+            <a:blip r:embed="rId5"/>
             <a:stretch>
               <a:fillRect/>
             </a:stretch>
@@ -5772,7 +5793,7 @@
           <p:cNvSpPr/>
           <p:nvPr>
             <p:custDataLst>
-              <p:tags r:id="rId5"/>
+              <p:tags r:id="rId6"/>
             </p:custDataLst>
           </p:nvPr>
         </p:nvSpPr>
@@ -5841,12 +5862,12 @@
           </p:cNvPicPr>
           <p:nvPr>
             <p:custDataLst>
-              <p:tags r:id="rId6"/>
+              <p:tags r:id="rId7"/>
             </p:custDataLst>
           </p:nvPr>
         </p:nvPicPr>
         <p:blipFill>
-          <a:blip r:embed="rId7">
+          <a:blip r:embed="rId8">
             <a:clrChange>
               <a:clrFrom>
                 <a:srgbClr val="FFFFFF">
@@ -5883,12 +5904,12 @@
           </p:cNvPicPr>
           <p:nvPr>
             <p:custDataLst>
-              <p:tags r:id="rId8"/>
+              <p:tags r:id="rId9"/>
             </p:custDataLst>
           </p:nvPr>
         </p:nvPicPr>
         <p:blipFill>
-          <a:blip r:embed="rId9"/>
+          <a:blip r:embed="rId10"/>
           <a:stretch>
             <a:fillRect/>
           </a:stretch>
@@ -8667,7 +8688,7 @@
         <p:spPr>
           <a:xfrm>
             <a:off x="2386965" y="3315335"/>
-            <a:ext cx="4064000" cy="922020"/>
+            <a:ext cx="4064000" cy="645160"/>
           </a:xfrm>
           <a:prstGeom prst="rect">
             <a:avLst/>
@@ -8678,13 +8699,6 @@
           <a:bodyPr wrap="square" rtlCol="0">
             <a:spAutoFit/>
           </a:bodyPr>
-          <a:p>
-            <a:r>
-              <a:rPr lang="en-US" altLang="zh-CN"/>
-              <a:t>OrderType == 1 &amp;&amp;</a:t>
-            </a:r>
-            <a:endParaRPr lang="en-US" altLang="zh-CN"/>
-          </a:p>
           <a:p>
             <a:r>
               <a:rPr lang="en-US" altLang="zh-CN"/>

--- a/presentation slide.pptx
+++ b/presentation slide.pptx
@@ -5589,38 +5589,14 @@
                 <a:ea typeface="华文宋体" panose="02010600040101010101" charset="-122"/>
                 <a:sym typeface="+mn-ea"/>
               </a:rPr>
-              <a:t>包，将输出文件与</a:t>
-            </a:r>
-            <a:r>
-              <a:rPr lang="en-US" altLang="zh-CN" sz="2400">
-                <a:latin typeface="华文宋体" panose="02010600040101010101" charset="-122"/>
-                <a:ea typeface="华文宋体" panose="02010600040101010101" charset="-122"/>
-                <a:sym typeface="+mn-ea"/>
-              </a:rPr>
-              <a:t>html</a:t>
-            </a:r>
-            <a:r>
-              <a:rPr lang="zh-CN" altLang="en-US" sz="2400">
-                <a:latin typeface="华文宋体" panose="02010600040101010101" charset="-122"/>
-                <a:ea typeface="华文宋体" panose="02010600040101010101" charset="-122"/>
-                <a:sym typeface="+mn-ea"/>
-              </a:rPr>
-              <a:t>文件置于</a:t>
-            </a:r>
-            <a:r>
-              <a:rPr lang="zh-CN" altLang="en-US" sz="2400">
-                <a:latin typeface="华文宋体" panose="02010600040101010101" charset="-122"/>
-                <a:ea typeface="华文宋体" panose="02010600040101010101" charset="-122"/>
-                <a:sym typeface="+mn-ea"/>
-              </a:rPr>
-              <a:t>一个目录。详见</a:t>
+              <a:t>包，详见</a:t>
             </a:r>
             <a:r>
               <a:rPr sz="2400">
                 <a:latin typeface="华文宋体" panose="02010600040101010101" charset="-122"/>
                 <a:ea typeface="华文宋体" panose="02010600040101010101" charset="-122"/>
                 <a:sym typeface="+mn-ea"/>
-                <a:hlinkClick r:id="rId1" tooltip=""/>
+                <a:hlinkClick r:id="rId1"/>
               </a:rPr>
               <a:t>http://localhost:63342/project/src/main/java/webApp/index.html?_ijt=jheajtiojeqs9e6f6qb5tv17at&amp;_ij_reload=RELOAD_ON_SAVE</a:t>
             </a:r>
@@ -5898,7 +5874,7 @@
       </p:pic>
       <p:pic>
         <p:nvPicPr>
-          <p:cNvPr id="4" name="图片 3"/>
+          <p:cNvPr id="2" name="图片 1"/>
           <p:cNvPicPr>
             <a:picLocks noChangeAspect="1"/>
           </p:cNvPicPr>
@@ -5916,8 +5892,8 @@
         </p:blipFill>
         <p:spPr>
           <a:xfrm>
-            <a:off x="4522470" y="2659380"/>
-            <a:ext cx="3415665" cy="3726815"/>
+            <a:off x="4349750" y="2767965"/>
+            <a:ext cx="3336925" cy="3426460"/>
           </a:xfrm>
           <a:prstGeom prst="rect">
             <a:avLst/>
